--- a/flinksql-demo/flink-简要介绍.pptx
+++ b/flinksql-demo/flink-简要介绍.pptx
@@ -27716,7 +27716,7 @@
             </a:r>
             <a:r>
               <a:rPr lang="zh-CN" altLang="en-US" dirty="0"/>
-              <a:t>南天</a:t>
+              <a:t>汉克</a:t>
             </a:r>
             <a:endParaRPr lang="zh-CN" altLang="en-US" dirty="0"/>
           </a:p>
@@ -29264,8 +29264,8 @@
         </p:nvSpPr>
         <p:spPr>
           <a:xfrm>
-            <a:off x="1360714" y="2352940"/>
-            <a:ext cx="4470508" cy="702949"/>
+            <a:off x="1360805" y="2352675"/>
+            <a:ext cx="4470400" cy="1595120"/>
           </a:xfrm>
           <a:prstGeom prst="rect">
             <a:avLst/>
@@ -32717,8 +32717,8 @@
         </p:nvSpPr>
         <p:spPr>
           <a:xfrm>
-            <a:off x="6681009" y="2649091"/>
-            <a:ext cx="4325658" cy="702949"/>
+            <a:off x="6680835" y="2649220"/>
+            <a:ext cx="4325620" cy="1016635"/>
           </a:xfrm>
           <a:prstGeom prst="rect">
             <a:avLst/>
@@ -32977,8 +32977,8 @@
         </p:nvSpPr>
         <p:spPr>
           <a:xfrm>
-            <a:off x="6681009" y="4571025"/>
-            <a:ext cx="4325658" cy="702949"/>
+            <a:off x="6680835" y="4570730"/>
+            <a:ext cx="4325620" cy="1016635"/>
           </a:xfrm>
           <a:prstGeom prst="rect">
             <a:avLst/>
